--- a/docs/MidTermPresentation.pptx
+++ b/docs/MidTermPresentation.pptx
@@ -10189,7 +10189,7 @@
           <a:p>
             <a:r>
               <a:rPr lang="en-US" dirty="0"/>
-              <a:t>Team Ciise</a:t>
+              <a:t>Cabdul Ciise</a:t>
             </a:r>
           </a:p>
         </p:txBody>
@@ -12869,11 +12869,18 @@
 <file path=customXml/itemProps2.xml><?xml version="1.0" encoding="utf-8"?>
 <ds:datastoreItem xmlns:ds="http://schemas.openxmlformats.org/officeDocument/2006/customXml" ds:itemID="{CA05327A-3F11-4B74-87F2-F91762B92A4E}">
   <ds:schemaRefs>
+    <ds:schemaRef ds:uri="71af3243-3dd4-4a8d-8c0d-dd76da1f02a5"/>
+    <ds:schemaRef ds:uri="http://www.w3.org/XML/1998/namespace"/>
+    <ds:schemaRef ds:uri="http://schemas.microsoft.com/office/2006/documentManagement/types"/>
+    <ds:schemaRef ds:uri="16c05727-aa75-4e4a-9b5f-8a80a1165891"/>
+    <ds:schemaRef ds:uri="230e9df3-be65-4c73-a93b-d1236ebd677e"/>
+    <ds:schemaRef ds:uri="http://schemas.openxmlformats.org/package/2006/metadata/core-properties"/>
+    <ds:schemaRef ds:uri="http://purl.org/dc/elements/1.1/"/>
+    <ds:schemaRef ds:uri="http://purl.org/dc/terms/"/>
+    <ds:schemaRef ds:uri="http://schemas.microsoft.com/sharepoint/v3"/>
     <ds:schemaRef ds:uri="http://schemas.microsoft.com/office/2006/metadata/properties"/>
     <ds:schemaRef ds:uri="http://schemas.microsoft.com/office/infopath/2007/PartnerControls"/>
-    <ds:schemaRef ds:uri="http://schemas.microsoft.com/sharepoint/v3"/>
-    <ds:schemaRef ds:uri="71af3243-3dd4-4a8d-8c0d-dd76da1f02a5"/>
-    <ds:schemaRef ds:uri="230e9df3-be65-4c73-a93b-d1236ebd677e"/>
+    <ds:schemaRef ds:uri="http://purl.org/dc/dcmitype/"/>
   </ds:schemaRefs>
 </ds:datastoreItem>
 </file>
